--- a/Modules/ITD/Week 6/ITD_08_Virtual Reality.pptx
+++ b/Modules/ITD/Week 6/ITD_08_Virtual Reality.pptx
@@ -231,7 +231,7 @@
           <a:p>
             <a:fld id="{1C633808-4D66-4A18-AEB5-16F5EA9B7D51}" type="datetimeFigureOut">
               <a:rPr lang="en-US" smtClean="0"/>
-              <a:t>11/24/21</a:t>
+              <a:t>11/26/21</a:t>
             </a:fld>
             <a:endParaRPr lang="en-US"/>
           </a:p>
@@ -645,7 +645,7 @@
           <a:p>
             <a:fld id="{6C36B2C3-558B-48FB-A029-22CFB7392BA1}" type="datetimeFigureOut">
               <a:rPr lang="en-US" smtClean="0"/>
-              <a:t>11/24/21</a:t>
+              <a:t>11/26/21</a:t>
             </a:fld>
             <a:endParaRPr lang="en-US"/>
           </a:p>
@@ -843,7 +843,7 @@
           <a:p>
             <a:fld id="{6C36B2C3-558B-48FB-A029-22CFB7392BA1}" type="datetimeFigureOut">
               <a:rPr lang="en-US" smtClean="0"/>
-              <a:t>11/24/21</a:t>
+              <a:t>11/26/21</a:t>
             </a:fld>
             <a:endParaRPr lang="en-US"/>
           </a:p>
@@ -1051,7 +1051,7 @@
           <a:p>
             <a:fld id="{6C36B2C3-558B-48FB-A029-22CFB7392BA1}" type="datetimeFigureOut">
               <a:rPr lang="en-US" smtClean="0"/>
-              <a:t>11/24/21</a:t>
+              <a:t>11/26/21</a:t>
             </a:fld>
             <a:endParaRPr lang="en-US"/>
           </a:p>
@@ -1249,7 +1249,7 @@
           <a:p>
             <a:fld id="{6C36B2C3-558B-48FB-A029-22CFB7392BA1}" type="datetimeFigureOut">
               <a:rPr lang="en-US" smtClean="0"/>
-              <a:t>11/24/21</a:t>
+              <a:t>11/26/21</a:t>
             </a:fld>
             <a:endParaRPr lang="en-US" dirty="0"/>
           </a:p>
@@ -1695,7 +1695,7 @@
           <a:p>
             <a:fld id="{6C36B2C3-558B-48FB-A029-22CFB7392BA1}" type="datetimeFigureOut">
               <a:rPr lang="en-US" smtClean="0"/>
-              <a:t>11/24/21</a:t>
+              <a:t>11/26/21</a:t>
             </a:fld>
             <a:endParaRPr lang="en-US"/>
           </a:p>
@@ -1960,7 +1960,7 @@
           <a:p>
             <a:fld id="{6C36B2C3-558B-48FB-A029-22CFB7392BA1}" type="datetimeFigureOut">
               <a:rPr lang="en-US" smtClean="0"/>
-              <a:t>11/24/21</a:t>
+              <a:t>11/26/21</a:t>
             </a:fld>
             <a:endParaRPr lang="en-US"/>
           </a:p>
@@ -2372,7 +2372,7 @@
           <a:p>
             <a:fld id="{6C36B2C3-558B-48FB-A029-22CFB7392BA1}" type="datetimeFigureOut">
               <a:rPr lang="en-US" smtClean="0"/>
-              <a:t>11/24/21</a:t>
+              <a:t>11/26/21</a:t>
             </a:fld>
             <a:endParaRPr lang="en-US"/>
           </a:p>
@@ -2513,7 +2513,7 @@
           <a:p>
             <a:fld id="{6C36B2C3-558B-48FB-A029-22CFB7392BA1}" type="datetimeFigureOut">
               <a:rPr lang="en-US" smtClean="0"/>
-              <a:t>11/24/21</a:t>
+              <a:t>11/26/21</a:t>
             </a:fld>
             <a:endParaRPr lang="en-US"/>
           </a:p>
@@ -2626,7 +2626,7 @@
           <a:p>
             <a:fld id="{6C36B2C3-558B-48FB-A029-22CFB7392BA1}" type="datetimeFigureOut">
               <a:rPr lang="en-US" smtClean="0"/>
-              <a:t>11/24/21</a:t>
+              <a:t>11/26/21</a:t>
             </a:fld>
             <a:endParaRPr lang="en-US"/>
           </a:p>
@@ -2937,7 +2937,7 @@
           <a:p>
             <a:fld id="{6C36B2C3-558B-48FB-A029-22CFB7392BA1}" type="datetimeFigureOut">
               <a:rPr lang="en-US" smtClean="0"/>
-              <a:t>11/24/21</a:t>
+              <a:t>11/26/21</a:t>
             </a:fld>
             <a:endParaRPr lang="en-US"/>
           </a:p>
@@ -3228,7 +3228,7 @@
           <a:p>
             <a:fld id="{6C36B2C3-558B-48FB-A029-22CFB7392BA1}" type="datetimeFigureOut">
               <a:rPr lang="en-US" smtClean="0"/>
-              <a:t>11/24/21</a:t>
+              <a:t>11/26/21</a:t>
             </a:fld>
             <a:endParaRPr lang="en-US"/>
           </a:p>
@@ -3469,7 +3469,7 @@
           <a:p>
             <a:fld id="{6C36B2C3-558B-48FB-A029-22CFB7392BA1}" type="datetimeFigureOut">
               <a:rPr lang="en-US" smtClean="0"/>
-              <a:t>11/24/21</a:t>
+              <a:t>11/26/21</a:t>
             </a:fld>
             <a:endParaRPr lang="en-US"/>
           </a:p>
